--- a/Proyecto fin de Curso (Grupal)/Etapa2_Organización.pptx
+++ b/Proyecto fin de Curso (Grupal)/Etapa2_Organización.pptx
@@ -621,7 +621,7 @@
           <a:p>
             <a:fld id="{5FD83612-4281-46A6-A73F-CF8C18F7A332}" type="datetimeFigureOut">
               <a:rPr lang="es-PE" smtClean="0"/>
-              <a:t>31/07/2020</a:t>
+              <a:t>05/08/2020</a:t>
             </a:fld>
             <a:endParaRPr lang="es-PE"/>
           </a:p>
@@ -917,7 +917,7 @@
           <a:p>
             <a:fld id="{5FD83612-4281-46A6-A73F-CF8C18F7A332}" type="datetimeFigureOut">
               <a:rPr lang="es-PE" smtClean="0"/>
-              <a:t>31/07/2020</a:t>
+              <a:t>05/08/2020</a:t>
             </a:fld>
             <a:endParaRPr lang="es-PE"/>
           </a:p>
@@ -1165,7 +1165,7 @@
           <a:p>
             <a:fld id="{5FD83612-4281-46A6-A73F-CF8C18F7A332}" type="datetimeFigureOut">
               <a:rPr lang="es-PE" smtClean="0"/>
-              <a:t>31/07/2020</a:t>
+              <a:t>05/08/2020</a:t>
             </a:fld>
             <a:endParaRPr lang="es-PE"/>
           </a:p>
@@ -1705,7 +1705,7 @@
           <a:p>
             <a:fld id="{5FD83612-4281-46A6-A73F-CF8C18F7A332}" type="datetimeFigureOut">
               <a:rPr lang="es-PE" smtClean="0"/>
-              <a:t>31/07/2020</a:t>
+              <a:t>05/08/2020</a:t>
             </a:fld>
             <a:endParaRPr lang="es-PE"/>
           </a:p>
@@ -1953,7 +1953,7 @@
           <a:p>
             <a:fld id="{5FD83612-4281-46A6-A73F-CF8C18F7A332}" type="datetimeFigureOut">
               <a:rPr lang="es-PE" smtClean="0"/>
-              <a:t>31/07/2020</a:t>
+              <a:t>05/08/2020</a:t>
             </a:fld>
             <a:endParaRPr lang="es-PE"/>
           </a:p>
@@ -2485,7 +2485,7 @@
           <a:p>
             <a:fld id="{5FD83612-4281-46A6-A73F-CF8C18F7A332}" type="datetimeFigureOut">
               <a:rPr lang="es-PE" smtClean="0"/>
-              <a:t>31/07/2020</a:t>
+              <a:t>05/08/2020</a:t>
             </a:fld>
             <a:endParaRPr lang="es-PE"/>
           </a:p>
@@ -2782,7 +2782,7 @@
           <a:p>
             <a:fld id="{5FD83612-4281-46A6-A73F-CF8C18F7A332}" type="datetimeFigureOut">
               <a:rPr lang="es-PE" smtClean="0"/>
-              <a:t>31/07/2020</a:t>
+              <a:t>05/08/2020</a:t>
             </a:fld>
             <a:endParaRPr lang="es-PE"/>
           </a:p>
@@ -2956,7 +2956,7 @@
           <a:p>
             <a:fld id="{5FD83612-4281-46A6-A73F-CF8C18F7A332}" type="datetimeFigureOut">
               <a:rPr lang="es-PE" smtClean="0"/>
-              <a:t>31/07/2020</a:t>
+              <a:t>05/08/2020</a:t>
             </a:fld>
             <a:endParaRPr lang="es-PE"/>
           </a:p>
@@ -3136,7 +3136,7 @@
           <a:p>
             <a:fld id="{5FD83612-4281-46A6-A73F-CF8C18F7A332}" type="datetimeFigureOut">
               <a:rPr lang="es-PE" smtClean="0"/>
-              <a:t>31/07/2020</a:t>
+              <a:t>05/08/2020</a:t>
             </a:fld>
             <a:endParaRPr lang="es-PE"/>
           </a:p>
@@ -3306,7 +3306,7 @@
           <a:p>
             <a:fld id="{5FD83612-4281-46A6-A73F-CF8C18F7A332}" type="datetimeFigureOut">
               <a:rPr lang="es-PE" smtClean="0"/>
-              <a:t>31/07/2020</a:t>
+              <a:t>05/08/2020</a:t>
             </a:fld>
             <a:endParaRPr lang="es-PE"/>
           </a:p>
@@ -3557,7 +3557,7 @@
           <a:p>
             <a:fld id="{5FD83612-4281-46A6-A73F-CF8C18F7A332}" type="datetimeFigureOut">
               <a:rPr lang="es-PE" smtClean="0"/>
-              <a:t>31/07/2020</a:t>
+              <a:t>05/08/2020</a:t>
             </a:fld>
             <a:endParaRPr lang="es-PE"/>
           </a:p>
@@ -3854,7 +3854,7 @@
           <a:p>
             <a:fld id="{5FD83612-4281-46A6-A73F-CF8C18F7A332}" type="datetimeFigureOut">
               <a:rPr lang="es-PE" smtClean="0"/>
-              <a:t>31/07/2020</a:t>
+              <a:t>05/08/2020</a:t>
             </a:fld>
             <a:endParaRPr lang="es-PE"/>
           </a:p>
@@ -4296,7 +4296,7 @@
           <a:p>
             <a:fld id="{5FD83612-4281-46A6-A73F-CF8C18F7A332}" type="datetimeFigureOut">
               <a:rPr lang="es-PE" smtClean="0"/>
-              <a:t>31/07/2020</a:t>
+              <a:t>05/08/2020</a:t>
             </a:fld>
             <a:endParaRPr lang="es-PE"/>
           </a:p>
@@ -4414,7 +4414,7 @@
           <a:p>
             <a:fld id="{5FD83612-4281-46A6-A73F-CF8C18F7A332}" type="datetimeFigureOut">
               <a:rPr lang="es-PE" smtClean="0"/>
-              <a:t>31/07/2020</a:t>
+              <a:t>05/08/2020</a:t>
             </a:fld>
             <a:endParaRPr lang="es-PE"/>
           </a:p>
@@ -4509,7 +4509,7 @@
           <a:p>
             <a:fld id="{5FD83612-4281-46A6-A73F-CF8C18F7A332}" type="datetimeFigureOut">
               <a:rPr lang="es-PE" smtClean="0"/>
-              <a:t>31/07/2020</a:t>
+              <a:t>05/08/2020</a:t>
             </a:fld>
             <a:endParaRPr lang="es-PE"/>
           </a:p>
@@ -4792,7 +4792,7 @@
           <a:p>
             <a:fld id="{5FD83612-4281-46A6-A73F-CF8C18F7A332}" type="datetimeFigureOut">
               <a:rPr lang="es-PE" smtClean="0"/>
-              <a:t>31/07/2020</a:t>
+              <a:t>05/08/2020</a:t>
             </a:fld>
             <a:endParaRPr lang="es-PE"/>
           </a:p>
@@ -5083,7 +5083,7 @@
           <a:p>
             <a:fld id="{5FD83612-4281-46A6-A73F-CF8C18F7A332}" type="datetimeFigureOut">
               <a:rPr lang="es-PE" smtClean="0"/>
-              <a:t>31/07/2020</a:t>
+              <a:t>05/08/2020</a:t>
             </a:fld>
             <a:endParaRPr lang="es-PE"/>
           </a:p>
@@ -5613,7 +5613,7 @@
           <a:p>
             <a:fld id="{5FD83612-4281-46A6-A73F-CF8C18F7A332}" type="datetimeFigureOut">
               <a:rPr lang="es-PE" smtClean="0"/>
-              <a:t>31/07/2020</a:t>
+              <a:t>05/08/2020</a:t>
             </a:fld>
             <a:endParaRPr lang="es-PE"/>
           </a:p>
@@ -6422,14 +6422,14 @@
       </p:pic>
       <p:pic>
         <p:nvPicPr>
-          <p:cNvPr id="6" name="Imagen 5"/>
+          <p:cNvPr id="4" name="Imagen 3"/>
           <p:cNvPicPr>
             <a:picLocks noChangeAspect="1"/>
           </p:cNvPicPr>
           <p:nvPr/>
         </p:nvPicPr>
         <p:blipFill>
-          <a:blip r:embed="rId4" cstate="print">
+          <a:blip r:embed="rId4">
             <a:extLst>
               <a:ext uri="{28A0092B-C50C-407E-A947-70E740481C1C}">
                 <a14:useLocalDpi xmlns:a14="http://schemas.microsoft.com/office/drawing/2010/main" val="0"/>
@@ -6442,8 +6442,8 @@
         </p:blipFill>
         <p:spPr>
           <a:xfrm>
-            <a:off x="7759006" y="3656441"/>
-            <a:ext cx="4316765" cy="2163651"/>
+            <a:off x="6160827" y="2951348"/>
+            <a:ext cx="5400938" cy="2446077"/>
           </a:xfrm>
           <a:prstGeom prst="rect">
             <a:avLst/>
@@ -6585,14 +6585,14 @@
           <p:nvPr>
             <p:extLst>
               <p:ext uri="{D42A27DB-BD31-4B8C-83A1-F6EECF244321}">
-                <p14:modId xmlns:p14="http://schemas.microsoft.com/office/powerpoint/2010/main" val="3531492973"/>
+                <p14:modId xmlns:p14="http://schemas.microsoft.com/office/powerpoint/2010/main" val="2105456555"/>
               </p:ext>
             </p:extLst>
           </p:nvPr>
         </p:nvGraphicFramePr>
         <p:xfrm>
           <a:off x="154544" y="180305"/>
-          <a:ext cx="11771292" cy="7694127"/>
+          <a:ext cx="11771292" cy="6744235"/>
         </p:xfrm>
         <a:graphic>
           <a:graphicData uri="http://schemas.openxmlformats.org/drawingml/2006/table">
@@ -6990,7 +6990,7 @@
                       </a:r>
                       <a:r>
                         <a:rPr lang="es-PE" baseline="0" dirty="0" smtClean="0"/>
-                        <a:t> Apellidos, Correo Electrónico)</a:t>
+                        <a:t> celular, correo y contraseña)</a:t>
                       </a:r>
                       <a:endParaRPr lang="es-PE" dirty="0"/>
                     </a:p>
@@ -7018,111 +7018,6 @@
                 <a:extLst>
                   <a:ext uri="{0D108BD9-81ED-4DB2-BD59-A6C34878D82A}">
                     <a16:rowId xmlns:a16="http://schemas.microsoft.com/office/drawing/2014/main" xmlns="" val="343512908"/>
-                  </a:ext>
-                </a:extLst>
-              </a:tr>
-              <a:tr h="949892">
-                <a:tc>
-                  <a:txBody>
-                    <a:bodyPr/>
-                    <a:lstStyle/>
-                    <a:p>
-                      <a:r>
-                        <a:rPr lang="es-PE" dirty="0" smtClean="0"/>
-                        <a:t>Registrar 25 Clientes por semana</a:t>
-                      </a:r>
-                      <a:endParaRPr lang="es-PE" dirty="0"/>
-                    </a:p>
-                  </a:txBody>
-                  <a:tcPr/>
-                </a:tc>
-                <a:tc>
-                  <a:txBody>
-                    <a:bodyPr/>
-                    <a:lstStyle/>
-                    <a:p>
-                      <a:pPr marL="0" marR="0" indent="0" algn="l" defTabSz="914400" rtl="0" eaLnBrk="1" fontAlgn="auto" latinLnBrk="0" hangingPunct="1">
-                        <a:lnSpc>
-                          <a:spcPct val="100000"/>
-                        </a:lnSpc>
-                        <a:spcBef>
-                          <a:spcPts val="0"/>
-                        </a:spcBef>
-                        <a:spcAft>
-                          <a:spcPts val="0"/>
-                        </a:spcAft>
-                        <a:buClrTx/>
-                        <a:buSzTx/>
-                        <a:buFontTx/>
-                        <a:buNone/>
-                        <a:tabLst/>
-                        <a:defRPr/>
-                      </a:pPr>
-                      <a:r>
-                        <a:rPr lang="es-PE" dirty="0" smtClean="0"/>
-                        <a:t>Enviar datos</a:t>
-                      </a:r>
-                      <a:r>
-                        <a:rPr lang="es-PE" baseline="0" dirty="0" smtClean="0"/>
-                        <a:t> (</a:t>
-                      </a:r>
-                      <a:r>
-                        <a:rPr lang="es-PE" baseline="0" dirty="0" err="1" smtClean="0"/>
-                        <a:t>Telefono</a:t>
-                      </a:r>
-                      <a:r>
-                        <a:rPr lang="es-PE" baseline="0" dirty="0" smtClean="0"/>
-                        <a:t>, Dirección)</a:t>
-                      </a:r>
-                      <a:endParaRPr lang="es-PE" dirty="0" smtClean="0"/>
-                    </a:p>
-                    <a:p>
-                      <a:endParaRPr lang="es-PE" dirty="0"/>
-                    </a:p>
-                  </a:txBody>
-                  <a:tcPr/>
-                </a:tc>
-                <a:tc>
-                  <a:txBody>
-                    <a:bodyPr/>
-                    <a:lstStyle/>
-                    <a:p>
-                      <a:pPr marL="0" marR="0" indent="0" algn="l" defTabSz="914400" rtl="0" eaLnBrk="1" fontAlgn="auto" latinLnBrk="0" hangingPunct="1">
-                        <a:lnSpc>
-                          <a:spcPct val="100000"/>
-                        </a:lnSpc>
-                        <a:spcBef>
-                          <a:spcPts val="0"/>
-                        </a:spcBef>
-                        <a:spcAft>
-                          <a:spcPts val="0"/>
-                        </a:spcAft>
-                        <a:buClrTx/>
-                        <a:buSzTx/>
-                        <a:buFontTx/>
-                        <a:buNone/>
-                        <a:tabLst/>
-                        <a:defRPr/>
-                      </a:pPr>
-                      <a:r>
-                        <a:rPr lang="es-PE" dirty="0" smtClean="0"/>
-                        <a:t>Formulario</a:t>
-                      </a:r>
-                      <a:r>
-                        <a:rPr lang="es-PE" baseline="0" dirty="0" smtClean="0"/>
-                        <a:t> de Registro</a:t>
-                      </a:r>
-                      <a:endParaRPr lang="es-PE" dirty="0" smtClean="0"/>
-                    </a:p>
-                    <a:p>
-                      <a:endParaRPr lang="es-PE" dirty="0"/>
-                    </a:p>
-                  </a:txBody>
-                  <a:tcPr/>
-                </a:tc>
-                <a:extLst>
-                  <a:ext uri="{0D108BD9-81ED-4DB2-BD59-A6C34878D82A}">
-                    <a16:rowId xmlns:a16="http://schemas.microsoft.com/office/drawing/2014/main" xmlns="" val="1704051973"/>
                   </a:ext>
                 </a:extLst>
               </a:tr>
@@ -7232,7 +7127,7 @@
           <p:nvPr>
             <p:extLst>
               <p:ext uri="{D42A27DB-BD31-4B8C-83A1-F6EECF244321}">
-                <p14:modId xmlns:p14="http://schemas.microsoft.com/office/powerpoint/2010/main" val="1350615868"/>
+                <p14:modId xmlns:p14="http://schemas.microsoft.com/office/powerpoint/2010/main" val="528792251"/>
               </p:ext>
             </p:extLst>
           </p:nvPr>
@@ -7540,7 +7435,7 @@
                     <a:p>
                       <a:r>
                         <a:rPr lang="es-PE" baseline="0" dirty="0" smtClean="0"/>
-                        <a:t>Ser Puntual en la entrega de su compra.</a:t>
+                        <a:t>Incentivar  comprar un detalle mediante las ofertas y descuentos</a:t>
                       </a:r>
                     </a:p>
                   </a:txBody>
@@ -7553,15 +7448,7 @@
                     <a:p>
                       <a:r>
                         <a:rPr lang="es-PE" dirty="0" smtClean="0"/>
-                        <a:t>El</a:t>
-                      </a:r>
-                      <a:r>
-                        <a:rPr lang="es-PE" baseline="0" dirty="0" smtClean="0"/>
-                        <a:t> usuario no se preocupara si el </a:t>
-                      </a:r>
-                      <a:r>
-                        <a:rPr lang="es-PE" baseline="0" smtClean="0"/>
-                        <a:t>pedido demora.</a:t>
+                        <a:t>Revisar notificaciones de descuentos y ofertas solo para clientes</a:t>
                       </a:r>
                       <a:endParaRPr lang="es-PE" dirty="0"/>
                     </a:p>
@@ -7575,11 +7462,7 @@
                     <a:p>
                       <a:r>
                         <a:rPr lang="es-PE" dirty="0" smtClean="0"/>
-                        <a:t>Ver</a:t>
-                      </a:r>
-                      <a:r>
-                        <a:rPr lang="es-PE" baseline="0" dirty="0" smtClean="0"/>
-                        <a:t> el estado de su pedido.</a:t>
+                        <a:t>Listado de productos en ofertas y descuentos.</a:t>
                       </a:r>
                       <a:endParaRPr lang="es-PE" dirty="0"/>
                     </a:p>
@@ -8822,7 +8705,7 @@
           <a:p>
             <a:pPr algn="ctr"/>
             <a:r>
-              <a:rPr lang="es-MX" sz="1400" dirty="0"/>
+              <a:rPr lang="es-MX" sz="1400" dirty="0" smtClean="0"/>
               <a:t>Promociones</a:t>
             </a:r>
             <a:endParaRPr lang="es-PE" sz="1400" dirty="0"/>
@@ -12308,80 +12191,6 @@
           </a:p>
         </p:txBody>
       </p:sp>
-      <p:sp>
-        <p:nvSpPr>
-          <p:cNvPr id="79" name="Rectangle 155">
-            <a:extLst>
-              <a:ext uri="{FF2B5EF4-FFF2-40B4-BE49-F238E27FC236}">
-                <a16:creationId xmlns:a16="http://schemas.microsoft.com/office/drawing/2014/main" xmlns="" id="{55A810F6-DDA0-499D-9713-ED6C5DC16C82}"/>
-              </a:ext>
-            </a:extLst>
-          </p:cNvPr>
-          <p:cNvSpPr/>
-          <p:nvPr/>
-        </p:nvSpPr>
-        <p:spPr>
-          <a:xfrm>
-            <a:off x="10853338" y="3054480"/>
-            <a:ext cx="1118715" cy="559293"/>
-          </a:xfrm>
-          <a:prstGeom prst="rect">
-            <a:avLst/>
-          </a:prstGeom>
-          <a:gradFill flip="none" rotWithShape="1">
-            <a:gsLst>
-              <a:gs pos="0">
-                <a:schemeClr val="accent1">
-                  <a:lumMod val="67000"/>
-                </a:schemeClr>
-              </a:gs>
-              <a:gs pos="48000">
-                <a:schemeClr val="accent1">
-                  <a:lumMod val="97000"/>
-                  <a:lumOff val="3000"/>
-                </a:schemeClr>
-              </a:gs>
-              <a:gs pos="100000">
-                <a:schemeClr val="accent1">
-                  <a:lumMod val="60000"/>
-                  <a:lumOff val="40000"/>
-                </a:schemeClr>
-              </a:gs>
-            </a:gsLst>
-            <a:lin ang="16200000" scaled="1"/>
-            <a:tileRect/>
-          </a:gradFill>
-          <a:ln>
-            <a:noFill/>
-          </a:ln>
-        </p:spPr>
-        <p:style>
-          <a:lnRef idx="0">
-            <a:scrgbClr r="0" g="0" b="0"/>
-          </a:lnRef>
-          <a:fillRef idx="0">
-            <a:scrgbClr r="0" g="0" b="0"/>
-          </a:fillRef>
-          <a:effectRef idx="0">
-            <a:scrgbClr r="0" g="0" b="0"/>
-          </a:effectRef>
-          <a:fontRef idx="minor">
-            <a:schemeClr val="lt1"/>
-          </a:fontRef>
-        </p:style>
-        <p:txBody>
-          <a:bodyPr rtlCol="0" anchor="ctr"/>
-          <a:lstStyle/>
-          <a:p>
-            <a:pPr algn="ctr"/>
-            <a:r>
-              <a:rPr lang="es-MX" sz="1200" dirty="0"/>
-              <a:t>Presentación</a:t>
-            </a:r>
-            <a:endParaRPr lang="es-PE" sz="1200" dirty="0"/>
-          </a:p>
-        </p:txBody>
-      </p:sp>
       <p:cxnSp>
         <p:nvCxnSpPr>
           <p:cNvPr id="80" name="Straight Connector 157">
@@ -12432,7 +12241,6 @@
           </p:cNvPr>
           <p:cNvCxnSpPr>
             <a:stCxn id="78" idx="2"/>
-            <a:endCxn id="79" idx="0"/>
           </p:cNvCxnSpPr>
           <p:nvPr/>
         </p:nvCxnSpPr>
